--- a/bg_header.pptx
+++ b/bg_header.pptx
@@ -243,7 +243,7 @@
           <a:p>
             <a:fld id="{DC91172E-AF12-471F-B013-B97B5F22CA4E}" type="datetimeFigureOut">
               <a:rPr lang="en-US" smtClean="0"/>
-              <a:t>6/4/23</a:t>
+              <a:t>6/5/23</a:t>
             </a:fld>
             <a:endParaRPr lang="en-US"/>
           </a:p>
@@ -413,7 +413,7 @@
           <a:p>
             <a:fld id="{DC91172E-AF12-471F-B013-B97B5F22CA4E}" type="datetimeFigureOut">
               <a:rPr lang="en-US" smtClean="0"/>
-              <a:t>6/4/23</a:t>
+              <a:t>6/5/23</a:t>
             </a:fld>
             <a:endParaRPr lang="en-US"/>
           </a:p>
@@ -593,7 +593,7 @@
           <a:p>
             <a:fld id="{DC91172E-AF12-471F-B013-B97B5F22CA4E}" type="datetimeFigureOut">
               <a:rPr lang="en-US" smtClean="0"/>
-              <a:t>6/4/23</a:t>
+              <a:t>6/5/23</a:t>
             </a:fld>
             <a:endParaRPr lang="en-US"/>
           </a:p>
@@ -763,7 +763,7 @@
           <a:p>
             <a:fld id="{DC91172E-AF12-471F-B013-B97B5F22CA4E}" type="datetimeFigureOut">
               <a:rPr lang="en-US" smtClean="0"/>
-              <a:t>6/4/23</a:t>
+              <a:t>6/5/23</a:t>
             </a:fld>
             <a:endParaRPr lang="en-US"/>
           </a:p>
@@ -1009,7 +1009,7 @@
           <a:p>
             <a:fld id="{DC91172E-AF12-471F-B013-B97B5F22CA4E}" type="datetimeFigureOut">
               <a:rPr lang="en-US" smtClean="0"/>
-              <a:t>6/4/23</a:t>
+              <a:t>6/5/23</a:t>
             </a:fld>
             <a:endParaRPr lang="en-US"/>
           </a:p>
@@ -1241,7 +1241,7 @@
           <a:p>
             <a:fld id="{DC91172E-AF12-471F-B013-B97B5F22CA4E}" type="datetimeFigureOut">
               <a:rPr lang="en-US" smtClean="0"/>
-              <a:t>6/4/23</a:t>
+              <a:t>6/5/23</a:t>
             </a:fld>
             <a:endParaRPr lang="en-US"/>
           </a:p>
@@ -1608,7 +1608,7 @@
           <a:p>
             <a:fld id="{DC91172E-AF12-471F-B013-B97B5F22CA4E}" type="datetimeFigureOut">
               <a:rPr lang="en-US" smtClean="0"/>
-              <a:t>6/4/23</a:t>
+              <a:t>6/5/23</a:t>
             </a:fld>
             <a:endParaRPr lang="en-US"/>
           </a:p>
@@ -1726,7 +1726,7 @@
           <a:p>
             <a:fld id="{DC91172E-AF12-471F-B013-B97B5F22CA4E}" type="datetimeFigureOut">
               <a:rPr lang="en-US" smtClean="0"/>
-              <a:t>6/4/23</a:t>
+              <a:t>6/5/23</a:t>
             </a:fld>
             <a:endParaRPr lang="en-US"/>
           </a:p>
@@ -1821,7 +1821,7 @@
           <a:p>
             <a:fld id="{DC91172E-AF12-471F-B013-B97B5F22CA4E}" type="datetimeFigureOut">
               <a:rPr lang="en-US" smtClean="0"/>
-              <a:t>6/4/23</a:t>
+              <a:t>6/5/23</a:t>
             </a:fld>
             <a:endParaRPr lang="en-US"/>
           </a:p>
@@ -2098,7 +2098,7 @@
           <a:p>
             <a:fld id="{DC91172E-AF12-471F-B013-B97B5F22CA4E}" type="datetimeFigureOut">
               <a:rPr lang="en-US" smtClean="0"/>
-              <a:t>6/4/23</a:t>
+              <a:t>6/5/23</a:t>
             </a:fld>
             <a:endParaRPr lang="en-US"/>
           </a:p>
@@ -2355,7 +2355,7 @@
           <a:p>
             <a:fld id="{DC91172E-AF12-471F-B013-B97B5F22CA4E}" type="datetimeFigureOut">
               <a:rPr lang="en-US" smtClean="0"/>
-              <a:t>6/4/23</a:t>
+              <a:t>6/5/23</a:t>
             </a:fld>
             <a:endParaRPr lang="en-US"/>
           </a:p>
@@ -2568,7 +2568,7 @@
           <a:p>
             <a:fld id="{DC91172E-AF12-471F-B013-B97B5F22CA4E}" type="datetimeFigureOut">
               <a:rPr lang="en-US" smtClean="0"/>
-              <a:t>6/4/23</a:t>
+              <a:t>6/5/23</a:t>
             </a:fld>
             <a:endParaRPr lang="en-US"/>
           </a:p>
@@ -3085,7 +3085,7 @@
                 <a:latin typeface="Monotype Corsiva" panose="03010101010201010101" pitchFamily="66" charset="0"/>
                 <a:ea typeface="微软雅黑 Light" panose="020B0502040204020203" pitchFamily="34" charset="-122"/>
               </a:rPr>
-              <a:t>IEEE ITSC</a:t>
+              <a:t>IEEE ITSS</a:t>
             </a:r>
             <a:r>
               <a:rPr lang="zh-CN" altLang="en-US" sz="4800" b="1" dirty="0">
